--- a/09.Data-Structures-2.pptx
+++ b/09.Data-Structures-2.pptx
@@ -229,7 +229,7 @@
           <a:p>
             <a:fld id="{1A052DDE-B79B-4585-97B6-DCDE6083B029}" type="datetimeFigureOut">
               <a:rPr lang="bg-BG" smtClean="0"/>
-              <a:t>5.6.2015 г.</a:t>
+              <a:t>10.1.2017 г.</a:t>
             </a:fld>
             <a:endParaRPr lang="bg-BG"/>
           </a:p>
@@ -678,7 +678,7 @@
           <a:p>
             <a:fld id="{3EA744D9-3FBE-48D8-BF2A-85DF203E4D20}" type="datetimeFigureOut">
               <a:rPr lang="bg-BG" smtClean="0"/>
-              <a:t>5.6.2015 г.</a:t>
+              <a:t>10.1.2017 г.</a:t>
             </a:fld>
             <a:endParaRPr lang="bg-BG"/>
           </a:p>
@@ -848,7 +848,7 @@
           <a:p>
             <a:fld id="{3EA744D9-3FBE-48D8-BF2A-85DF203E4D20}" type="datetimeFigureOut">
               <a:rPr lang="bg-BG" smtClean="0"/>
-              <a:t>5.6.2015 г.</a:t>
+              <a:t>10.1.2017 г.</a:t>
             </a:fld>
             <a:endParaRPr lang="bg-BG"/>
           </a:p>
@@ -1028,7 +1028,7 @@
           <a:p>
             <a:fld id="{3EA744D9-3FBE-48D8-BF2A-85DF203E4D20}" type="datetimeFigureOut">
               <a:rPr lang="bg-BG" smtClean="0"/>
-              <a:t>5.6.2015 г.</a:t>
+              <a:t>10.1.2017 г.</a:t>
             </a:fld>
             <a:endParaRPr lang="bg-BG"/>
           </a:p>
@@ -1198,7 +1198,7 @@
           <a:p>
             <a:fld id="{3EA744D9-3FBE-48D8-BF2A-85DF203E4D20}" type="datetimeFigureOut">
               <a:rPr lang="bg-BG" smtClean="0"/>
-              <a:t>5.6.2015 г.</a:t>
+              <a:t>10.1.2017 г.</a:t>
             </a:fld>
             <a:endParaRPr lang="bg-BG"/>
           </a:p>
@@ -1444,7 +1444,7 @@
           <a:p>
             <a:fld id="{3EA744D9-3FBE-48D8-BF2A-85DF203E4D20}" type="datetimeFigureOut">
               <a:rPr lang="bg-BG" smtClean="0"/>
-              <a:t>5.6.2015 г.</a:t>
+              <a:t>10.1.2017 г.</a:t>
             </a:fld>
             <a:endParaRPr lang="bg-BG"/>
           </a:p>
@@ -1732,7 +1732,7 @@
           <a:p>
             <a:fld id="{3EA744D9-3FBE-48D8-BF2A-85DF203E4D20}" type="datetimeFigureOut">
               <a:rPr lang="bg-BG" smtClean="0"/>
-              <a:t>5.6.2015 г.</a:t>
+              <a:t>10.1.2017 г.</a:t>
             </a:fld>
             <a:endParaRPr lang="bg-BG"/>
           </a:p>
@@ -2154,7 +2154,7 @@
           <a:p>
             <a:fld id="{3EA744D9-3FBE-48D8-BF2A-85DF203E4D20}" type="datetimeFigureOut">
               <a:rPr lang="bg-BG" smtClean="0"/>
-              <a:t>5.6.2015 г.</a:t>
+              <a:t>10.1.2017 г.</a:t>
             </a:fld>
             <a:endParaRPr lang="bg-BG"/>
           </a:p>
@@ -2272,7 +2272,7 @@
           <a:p>
             <a:fld id="{3EA744D9-3FBE-48D8-BF2A-85DF203E4D20}" type="datetimeFigureOut">
               <a:rPr lang="bg-BG" smtClean="0"/>
-              <a:t>5.6.2015 г.</a:t>
+              <a:t>10.1.2017 г.</a:t>
             </a:fld>
             <a:endParaRPr lang="bg-BG"/>
           </a:p>
@@ -2367,7 +2367,7 @@
           <a:p>
             <a:fld id="{3EA744D9-3FBE-48D8-BF2A-85DF203E4D20}" type="datetimeFigureOut">
               <a:rPr lang="bg-BG" smtClean="0"/>
-              <a:t>5.6.2015 г.</a:t>
+              <a:t>10.1.2017 г.</a:t>
             </a:fld>
             <a:endParaRPr lang="bg-BG"/>
           </a:p>
@@ -2644,7 +2644,7 @@
           <a:p>
             <a:fld id="{3EA744D9-3FBE-48D8-BF2A-85DF203E4D20}" type="datetimeFigureOut">
               <a:rPr lang="bg-BG" smtClean="0"/>
-              <a:t>5.6.2015 г.</a:t>
+              <a:t>10.1.2017 г.</a:t>
             </a:fld>
             <a:endParaRPr lang="bg-BG"/>
           </a:p>
@@ -2897,7 +2897,7 @@
           <a:p>
             <a:fld id="{3EA744D9-3FBE-48D8-BF2A-85DF203E4D20}" type="datetimeFigureOut">
               <a:rPr lang="bg-BG" smtClean="0"/>
-              <a:t>5.6.2015 г.</a:t>
+              <a:t>10.1.2017 г.</a:t>
             </a:fld>
             <a:endParaRPr lang="bg-BG"/>
           </a:p>
@@ -3119,7 +3119,7 @@
           <a:p>
             <a:fld id="{3EA744D9-3FBE-48D8-BF2A-85DF203E4D20}" type="datetimeFigureOut">
               <a:rPr lang="bg-BG" smtClean="0"/>
-              <a:t>5.6.2015 г.</a:t>
+              <a:t>10.1.2017 г.</a:t>
             </a:fld>
             <a:endParaRPr lang="bg-BG"/>
           </a:p>
@@ -6218,21 +6218,50 @@
               <a:buNone/>
             </a:pPr>
             <a:r>
+              <a:rPr lang="en-US" smtClean="0">
+                <a:solidFill>
+                  <a:schemeClr val="bg1"/>
+                </a:solidFill>
+              </a:rPr>
+              <a:t>*</a:t>
+            </a:r>
+            <a:r>
+              <a:rPr lang="ru-RU" smtClean="0">
+                <a:solidFill>
+                  <a:schemeClr val="bg1"/>
+                </a:solidFill>
+              </a:rPr>
+              <a:t>Дадени </a:t>
+            </a:r>
+            <a:r>
               <a:rPr lang="ru-RU" dirty="0">
                 <a:solidFill>
                   <a:schemeClr val="bg1"/>
                 </a:solidFill>
               </a:rPr>
-              <a:t>Дадени са три редици от числа, дефинирани чрез формулите</a:t>
-            </a:r>
-            <a:r>
-              <a:rPr lang="ru-RU" dirty="0" smtClean="0">
-                <a:solidFill>
-                  <a:schemeClr val="bg1"/>
-                </a:solidFill>
-              </a:rPr>
-              <a:t>:</a:t>
-            </a:r>
+              <a:t>са три редици от числа, дефинирани </a:t>
+            </a:r>
+            <a:r>
+              <a:rPr lang="ru-RU">
+                <a:solidFill>
+                  <a:schemeClr val="bg1"/>
+                </a:solidFill>
+              </a:rPr>
+              <a:t>чрез </a:t>
+            </a:r>
+            <a:r>
+              <a:rPr lang="ru-RU" smtClean="0">
+                <a:solidFill>
+                  <a:schemeClr val="bg1"/>
+                </a:solidFill>
+              </a:rPr>
+              <a:t>формулите:</a:t>
+            </a:r>
+            <a:endParaRPr lang="ru-RU" dirty="0" smtClean="0">
+              <a:solidFill>
+                <a:schemeClr val="bg1"/>
+              </a:solidFill>
+            </a:endParaRPr>
           </a:p>
           <a:p>
             <a:pPr marL="0" indent="0">
